--- a/IEIE_paper/프레젠테이션1.pptx
+++ b/IEIE_paper/프레젠테이션1.pptx
@@ -107,6 +107,11 @@
       </a:defRPr>
     </a:lvl9pPr>
   </p:defaultTextStyle>
+  <p:extLst>
+    <p:ext uri="{EFAFB233-063F-42B5-8137-9DF3F51BA10A}">
+      <p15:sldGuideLst xmlns:p15="http://schemas.microsoft.com/office/powerpoint/2012/main"/>
+    </p:ext>
+  </p:extLst>
 </p:presentation>
 </file>
 
@@ -259,7 +264,7 @@
           <a:p>
             <a:fld id="{101CBA10-8D58-024C-BBF8-5636B309CAF1}" type="datetimeFigureOut">
               <a:rPr kumimoji="1" lang="ko-Kore-KR" altLang="en-US" smtClean="0"/>
-              <a:t>2021. 10. 18.</a:t>
+              <a:t>2021. 10. 21.</a:t>
             </a:fld>
             <a:endParaRPr kumimoji="1" lang="ko-Kore-KR" altLang="en-US"/>
           </a:p>
@@ -459,7 +464,7 @@
           <a:p>
             <a:fld id="{101CBA10-8D58-024C-BBF8-5636B309CAF1}" type="datetimeFigureOut">
               <a:rPr kumimoji="1" lang="ko-Kore-KR" altLang="en-US" smtClean="0"/>
-              <a:t>2021. 10. 18.</a:t>
+              <a:t>2021. 10. 21.</a:t>
             </a:fld>
             <a:endParaRPr kumimoji="1" lang="ko-Kore-KR" altLang="en-US"/>
           </a:p>
@@ -669,7 +674,7 @@
           <a:p>
             <a:fld id="{101CBA10-8D58-024C-BBF8-5636B309CAF1}" type="datetimeFigureOut">
               <a:rPr kumimoji="1" lang="ko-Kore-KR" altLang="en-US" smtClean="0"/>
-              <a:t>2021. 10. 18.</a:t>
+              <a:t>2021. 10. 21.</a:t>
             </a:fld>
             <a:endParaRPr kumimoji="1" lang="ko-Kore-KR" altLang="en-US"/>
           </a:p>
@@ -869,7 +874,7 @@
           <a:p>
             <a:fld id="{101CBA10-8D58-024C-BBF8-5636B309CAF1}" type="datetimeFigureOut">
               <a:rPr kumimoji="1" lang="ko-Kore-KR" altLang="en-US" smtClean="0"/>
-              <a:t>2021. 10. 18.</a:t>
+              <a:t>2021. 10. 21.</a:t>
             </a:fld>
             <a:endParaRPr kumimoji="1" lang="ko-Kore-KR" altLang="en-US"/>
           </a:p>
@@ -1145,7 +1150,7 @@
           <a:p>
             <a:fld id="{101CBA10-8D58-024C-BBF8-5636B309CAF1}" type="datetimeFigureOut">
               <a:rPr kumimoji="1" lang="ko-Kore-KR" altLang="en-US" smtClean="0"/>
-              <a:t>2021. 10. 18.</a:t>
+              <a:t>2021. 10. 21.</a:t>
             </a:fld>
             <a:endParaRPr kumimoji="1" lang="ko-Kore-KR" altLang="en-US"/>
           </a:p>
@@ -1413,7 +1418,7 @@
           <a:p>
             <a:fld id="{101CBA10-8D58-024C-BBF8-5636B309CAF1}" type="datetimeFigureOut">
               <a:rPr kumimoji="1" lang="ko-Kore-KR" altLang="en-US" smtClean="0"/>
-              <a:t>2021. 10. 18.</a:t>
+              <a:t>2021. 10. 21.</a:t>
             </a:fld>
             <a:endParaRPr kumimoji="1" lang="ko-Kore-KR" altLang="en-US"/>
           </a:p>
@@ -1828,7 +1833,7 @@
           <a:p>
             <a:fld id="{101CBA10-8D58-024C-BBF8-5636B309CAF1}" type="datetimeFigureOut">
               <a:rPr kumimoji="1" lang="ko-Kore-KR" altLang="en-US" smtClean="0"/>
-              <a:t>2021. 10. 18.</a:t>
+              <a:t>2021. 10. 21.</a:t>
             </a:fld>
             <a:endParaRPr kumimoji="1" lang="ko-Kore-KR" altLang="en-US"/>
           </a:p>
@@ -1970,7 +1975,7 @@
           <a:p>
             <a:fld id="{101CBA10-8D58-024C-BBF8-5636B309CAF1}" type="datetimeFigureOut">
               <a:rPr kumimoji="1" lang="ko-Kore-KR" altLang="en-US" smtClean="0"/>
-              <a:t>2021. 10. 18.</a:t>
+              <a:t>2021. 10. 21.</a:t>
             </a:fld>
             <a:endParaRPr kumimoji="1" lang="ko-Kore-KR" altLang="en-US"/>
           </a:p>
@@ -2083,7 +2088,7 @@
           <a:p>
             <a:fld id="{101CBA10-8D58-024C-BBF8-5636B309CAF1}" type="datetimeFigureOut">
               <a:rPr kumimoji="1" lang="ko-Kore-KR" altLang="en-US" smtClean="0"/>
-              <a:t>2021. 10. 18.</a:t>
+              <a:t>2021. 10. 21.</a:t>
             </a:fld>
             <a:endParaRPr kumimoji="1" lang="ko-Kore-KR" altLang="en-US"/>
           </a:p>
@@ -2396,7 +2401,7 @@
           <a:p>
             <a:fld id="{101CBA10-8D58-024C-BBF8-5636B309CAF1}" type="datetimeFigureOut">
               <a:rPr kumimoji="1" lang="ko-Kore-KR" altLang="en-US" smtClean="0"/>
-              <a:t>2021. 10. 18.</a:t>
+              <a:t>2021. 10. 21.</a:t>
             </a:fld>
             <a:endParaRPr kumimoji="1" lang="ko-Kore-KR" altLang="en-US"/>
           </a:p>
@@ -2685,7 +2690,7 @@
           <a:p>
             <a:fld id="{101CBA10-8D58-024C-BBF8-5636B309CAF1}" type="datetimeFigureOut">
               <a:rPr kumimoji="1" lang="ko-Kore-KR" altLang="en-US" smtClean="0"/>
-              <a:t>2021. 10. 18.</a:t>
+              <a:t>2021. 10. 21.</a:t>
             </a:fld>
             <a:endParaRPr kumimoji="1" lang="ko-Kore-KR" altLang="en-US"/>
           </a:p>
@@ -2928,7 +2933,7 @@
           <a:p>
             <a:fld id="{101CBA10-8D58-024C-BBF8-5636B309CAF1}" type="datetimeFigureOut">
               <a:rPr kumimoji="1" lang="ko-Kore-KR" altLang="en-US" smtClean="0"/>
-              <a:t>2021. 10. 18.</a:t>
+              <a:t>2021. 10. 21.</a:t>
             </a:fld>
             <a:endParaRPr kumimoji="1" lang="ko-Kore-KR" altLang="en-US"/>
           </a:p>
@@ -4541,7 +4546,7 @@
         </p:nvSpPr>
         <p:spPr>
           <a:xfrm>
-            <a:off x="2474306" y="2782131"/>
+            <a:off x="2474306" y="1660931"/>
             <a:ext cx="646869" cy="646869"/>
           </a:xfrm>
           <a:prstGeom prst="ellipse">
@@ -4597,7 +4602,7 @@
         </p:nvSpPr>
         <p:spPr>
           <a:xfrm>
-            <a:off x="2474306" y="4379577"/>
+            <a:off x="2474306" y="2633914"/>
             <a:ext cx="646869" cy="646869"/>
           </a:xfrm>
           <a:prstGeom prst="ellipse">
@@ -4653,7 +4658,7 @@
         </p:nvSpPr>
         <p:spPr>
           <a:xfrm>
-            <a:off x="2474306" y="1114265"/>
+            <a:off x="2474306" y="687948"/>
             <a:ext cx="646869" cy="646869"/>
           </a:xfrm>
           <a:prstGeom prst="ellipse">
@@ -4709,7 +4714,7 @@
         </p:nvSpPr>
         <p:spPr>
           <a:xfrm>
-            <a:off x="8764932" y="3639437"/>
+            <a:off x="8764932" y="2862753"/>
             <a:ext cx="646869" cy="646869"/>
           </a:xfrm>
           <a:prstGeom prst="ellipse">
@@ -4765,7 +4770,7 @@
         </p:nvSpPr>
         <p:spPr>
           <a:xfrm>
-            <a:off x="8764932" y="1971571"/>
+            <a:off x="8764932" y="1441593"/>
             <a:ext cx="646869" cy="646869"/>
           </a:xfrm>
           <a:prstGeom prst="ellipse">
@@ -6025,7 +6030,7 @@
         </p:nvSpPr>
         <p:spPr>
           <a:xfrm>
-            <a:off x="9591814" y="2110339"/>
+            <a:off x="9591814" y="1580361"/>
             <a:ext cx="1217769" cy="369332"/>
           </a:xfrm>
           <a:prstGeom prst="rect">
@@ -6061,7 +6066,7 @@
         </p:nvSpPr>
         <p:spPr>
           <a:xfrm>
-            <a:off x="9591814" y="3778205"/>
+            <a:off x="9591814" y="3001521"/>
             <a:ext cx="1209755" cy="369332"/>
           </a:xfrm>
           <a:prstGeom prst="rect">
@@ -6097,7 +6102,7 @@
         </p:nvSpPr>
         <p:spPr>
           <a:xfrm>
-            <a:off x="947203" y="1234126"/>
+            <a:off x="947203" y="826716"/>
             <a:ext cx="1362361" cy="369332"/>
           </a:xfrm>
           <a:prstGeom prst="rect">
@@ -6133,7 +6138,7 @@
         </p:nvSpPr>
         <p:spPr>
           <a:xfrm>
-            <a:off x="947203" y="2933346"/>
+            <a:off x="947203" y="1799699"/>
             <a:ext cx="1362361" cy="369332"/>
           </a:xfrm>
           <a:prstGeom prst="rect">
@@ -6169,7 +6174,7 @@
         </p:nvSpPr>
         <p:spPr>
           <a:xfrm>
-            <a:off x="947203" y="4549829"/>
+            <a:off x="947203" y="2772682"/>
             <a:ext cx="1362361" cy="369332"/>
           </a:xfrm>
           <a:prstGeom prst="rect">
@@ -6186,6 +6191,374 @@
             <a:r>
               <a:rPr kumimoji="1" lang="en-US" altLang="ko-Kore-KR" dirty="0"/>
               <a:t>Joint angle 3</a:t>
+            </a:r>
+            <a:endParaRPr kumimoji="1" lang="ko-Kore-KR" altLang="en-US" dirty="0"/>
+          </a:p>
+        </p:txBody>
+      </p:sp>
+      <p:sp>
+        <p:nvSpPr>
+          <p:cNvPr id="64" name="타원 63">
+            <a:extLst>
+              <a:ext uri="{FF2B5EF4-FFF2-40B4-BE49-F238E27FC236}">
+                <a16:creationId xmlns:a16="http://schemas.microsoft.com/office/drawing/2014/main" id="{D56022CF-0E94-8F41-8BF7-46A7FF9AF635}"/>
+              </a:ext>
+            </a:extLst>
+          </p:cNvPr>
+          <p:cNvSpPr>
+            <a:spLocks noChangeAspect="1"/>
+          </p:cNvSpPr>
+          <p:nvPr/>
+        </p:nvSpPr>
+        <p:spPr>
+          <a:xfrm>
+            <a:off x="2474306" y="4579880"/>
+            <a:ext cx="646869" cy="646869"/>
+          </a:xfrm>
+          <a:prstGeom prst="ellipse">
+            <a:avLst/>
+          </a:prstGeom>
+          <a:solidFill>
+            <a:srgbClr val="C00000"/>
+          </a:solidFill>
+          <a:ln>
+            <a:solidFill>
+              <a:schemeClr val="tx1"/>
+            </a:solidFill>
+          </a:ln>
+        </p:spPr>
+        <p:style>
+          <a:lnRef idx="2">
+            <a:schemeClr val="accent1">
+              <a:shade val="50000"/>
+            </a:schemeClr>
+          </a:lnRef>
+          <a:fillRef idx="1">
+            <a:schemeClr val="accent1"/>
+          </a:fillRef>
+          <a:effectRef idx="0">
+            <a:schemeClr val="accent1"/>
+          </a:effectRef>
+          <a:fontRef idx="minor">
+            <a:schemeClr val="lt1"/>
+          </a:fontRef>
+        </p:style>
+        <p:txBody>
+          <a:bodyPr rtlCol="0" anchor="ctr"/>
+          <a:lstStyle/>
+          <a:p>
+            <a:pPr algn="ctr"/>
+            <a:endParaRPr kumimoji="1" lang="ko-Kore-KR" altLang="en-US"/>
+          </a:p>
+        </p:txBody>
+      </p:sp>
+      <p:sp>
+        <p:nvSpPr>
+          <p:cNvPr id="76" name="타원 75">
+            <a:extLst>
+              <a:ext uri="{FF2B5EF4-FFF2-40B4-BE49-F238E27FC236}">
+                <a16:creationId xmlns:a16="http://schemas.microsoft.com/office/drawing/2014/main" id="{C2747B43-5966-1846-A9C9-4E6D873609B5}"/>
+              </a:ext>
+            </a:extLst>
+          </p:cNvPr>
+          <p:cNvSpPr>
+            <a:spLocks noChangeAspect="1"/>
+          </p:cNvSpPr>
+          <p:nvPr/>
+        </p:nvSpPr>
+        <p:spPr>
+          <a:xfrm>
+            <a:off x="2474306" y="5552863"/>
+            <a:ext cx="646869" cy="646869"/>
+          </a:xfrm>
+          <a:prstGeom prst="ellipse">
+            <a:avLst/>
+          </a:prstGeom>
+          <a:solidFill>
+            <a:srgbClr val="C00000"/>
+          </a:solidFill>
+          <a:ln>
+            <a:solidFill>
+              <a:schemeClr val="tx1"/>
+            </a:solidFill>
+          </a:ln>
+        </p:spPr>
+        <p:style>
+          <a:lnRef idx="2">
+            <a:schemeClr val="accent1">
+              <a:shade val="50000"/>
+            </a:schemeClr>
+          </a:lnRef>
+          <a:fillRef idx="1">
+            <a:schemeClr val="accent1"/>
+          </a:fillRef>
+          <a:effectRef idx="0">
+            <a:schemeClr val="accent1"/>
+          </a:effectRef>
+          <a:fontRef idx="minor">
+            <a:schemeClr val="lt1"/>
+          </a:fontRef>
+        </p:style>
+        <p:txBody>
+          <a:bodyPr rtlCol="0" anchor="ctr"/>
+          <a:lstStyle/>
+          <a:p>
+            <a:pPr algn="ctr"/>
+            <a:endParaRPr kumimoji="1" lang="ko-Kore-KR" altLang="en-US"/>
+          </a:p>
+        </p:txBody>
+      </p:sp>
+      <p:sp>
+        <p:nvSpPr>
+          <p:cNvPr id="77" name="타원 76">
+            <a:extLst>
+              <a:ext uri="{FF2B5EF4-FFF2-40B4-BE49-F238E27FC236}">
+                <a16:creationId xmlns:a16="http://schemas.microsoft.com/office/drawing/2014/main" id="{1131818F-961E-E14B-A100-D3E23397F6C1}"/>
+              </a:ext>
+            </a:extLst>
+          </p:cNvPr>
+          <p:cNvSpPr>
+            <a:spLocks noChangeAspect="1"/>
+          </p:cNvSpPr>
+          <p:nvPr/>
+        </p:nvSpPr>
+        <p:spPr>
+          <a:xfrm>
+            <a:off x="2474306" y="3606897"/>
+            <a:ext cx="646869" cy="646869"/>
+          </a:xfrm>
+          <a:prstGeom prst="ellipse">
+            <a:avLst/>
+          </a:prstGeom>
+          <a:solidFill>
+            <a:srgbClr val="C00000"/>
+          </a:solidFill>
+          <a:ln>
+            <a:solidFill>
+              <a:schemeClr val="tx1"/>
+            </a:solidFill>
+          </a:ln>
+        </p:spPr>
+        <p:style>
+          <a:lnRef idx="2">
+            <a:schemeClr val="accent1">
+              <a:shade val="50000"/>
+            </a:schemeClr>
+          </a:lnRef>
+          <a:fillRef idx="1">
+            <a:schemeClr val="accent1"/>
+          </a:fillRef>
+          <a:effectRef idx="0">
+            <a:schemeClr val="accent1"/>
+          </a:effectRef>
+          <a:fontRef idx="minor">
+            <a:schemeClr val="lt1"/>
+          </a:fontRef>
+        </p:style>
+        <p:txBody>
+          <a:bodyPr rtlCol="0" anchor="ctr"/>
+          <a:lstStyle/>
+          <a:p>
+            <a:pPr algn="ctr"/>
+            <a:endParaRPr kumimoji="1" lang="ko-Kore-KR" altLang="en-US"/>
+          </a:p>
+        </p:txBody>
+      </p:sp>
+      <p:sp>
+        <p:nvSpPr>
+          <p:cNvPr id="78" name="TextBox 77">
+            <a:extLst>
+              <a:ext uri="{FF2B5EF4-FFF2-40B4-BE49-F238E27FC236}">
+                <a16:creationId xmlns:a16="http://schemas.microsoft.com/office/drawing/2014/main" id="{2914FB88-FE8C-634B-8C64-F09173796A4B}"/>
+              </a:ext>
+            </a:extLst>
+          </p:cNvPr>
+          <p:cNvSpPr txBox="1"/>
+          <p:nvPr/>
+        </p:nvSpPr>
+        <p:spPr>
+          <a:xfrm>
+            <a:off x="947203" y="3745665"/>
+            <a:ext cx="1362361" cy="369332"/>
+          </a:xfrm>
+          <a:prstGeom prst="rect">
+            <a:avLst/>
+          </a:prstGeom>
+          <a:noFill/>
+        </p:spPr>
+        <p:txBody>
+          <a:bodyPr wrap="none" rtlCol="0">
+            <a:spAutoFit/>
+          </a:bodyPr>
+          <a:lstStyle/>
+          <a:p>
+            <a:r>
+              <a:rPr kumimoji="1" lang="en-US" altLang="ko-Kore-KR" dirty="0"/>
+              <a:t>Joint angle 4</a:t>
+            </a:r>
+            <a:endParaRPr kumimoji="1" lang="ko-Kore-KR" altLang="en-US" dirty="0"/>
+          </a:p>
+        </p:txBody>
+      </p:sp>
+      <p:sp>
+        <p:nvSpPr>
+          <p:cNvPr id="79" name="TextBox 78">
+            <a:extLst>
+              <a:ext uri="{FF2B5EF4-FFF2-40B4-BE49-F238E27FC236}">
+                <a16:creationId xmlns:a16="http://schemas.microsoft.com/office/drawing/2014/main" id="{724C6348-96C3-F14D-9218-CCE67D677A1B}"/>
+              </a:ext>
+            </a:extLst>
+          </p:cNvPr>
+          <p:cNvSpPr txBox="1"/>
+          <p:nvPr/>
+        </p:nvSpPr>
+        <p:spPr>
+          <a:xfrm>
+            <a:off x="947203" y="4718648"/>
+            <a:ext cx="1362361" cy="369332"/>
+          </a:xfrm>
+          <a:prstGeom prst="rect">
+            <a:avLst/>
+          </a:prstGeom>
+          <a:noFill/>
+        </p:spPr>
+        <p:txBody>
+          <a:bodyPr wrap="none" rtlCol="0">
+            <a:spAutoFit/>
+          </a:bodyPr>
+          <a:lstStyle/>
+          <a:p>
+            <a:r>
+              <a:rPr kumimoji="1" lang="en-US" altLang="ko-Kore-KR" dirty="0"/>
+              <a:t>Joint angle 5</a:t>
+            </a:r>
+            <a:endParaRPr kumimoji="1" lang="ko-Kore-KR" altLang="en-US" dirty="0"/>
+          </a:p>
+        </p:txBody>
+      </p:sp>
+      <p:sp>
+        <p:nvSpPr>
+          <p:cNvPr id="80" name="TextBox 79">
+            <a:extLst>
+              <a:ext uri="{FF2B5EF4-FFF2-40B4-BE49-F238E27FC236}">
+                <a16:creationId xmlns:a16="http://schemas.microsoft.com/office/drawing/2014/main" id="{6D9C6ED2-9B56-BC4D-8D22-7FF58C23D4E8}"/>
+              </a:ext>
+            </a:extLst>
+          </p:cNvPr>
+          <p:cNvSpPr txBox="1"/>
+          <p:nvPr/>
+        </p:nvSpPr>
+        <p:spPr>
+          <a:xfrm>
+            <a:off x="947203" y="5691631"/>
+            <a:ext cx="1362361" cy="369332"/>
+          </a:xfrm>
+          <a:prstGeom prst="rect">
+            <a:avLst/>
+          </a:prstGeom>
+          <a:noFill/>
+        </p:spPr>
+        <p:txBody>
+          <a:bodyPr wrap="none" rtlCol="0">
+            <a:spAutoFit/>
+          </a:bodyPr>
+          <a:lstStyle/>
+          <a:p>
+            <a:r>
+              <a:rPr kumimoji="1" lang="en-US" altLang="ko-Kore-KR" dirty="0"/>
+              <a:t>Joint angle 6</a:t>
+            </a:r>
+            <a:endParaRPr kumimoji="1" lang="ko-Kore-KR" altLang="en-US" dirty="0"/>
+          </a:p>
+        </p:txBody>
+      </p:sp>
+      <p:sp>
+        <p:nvSpPr>
+          <p:cNvPr id="81" name="타원 80">
+            <a:extLst>
+              <a:ext uri="{FF2B5EF4-FFF2-40B4-BE49-F238E27FC236}">
+                <a16:creationId xmlns:a16="http://schemas.microsoft.com/office/drawing/2014/main" id="{F84FEE8C-E735-B14C-A932-01B5A0BD6F9E}"/>
+              </a:ext>
+            </a:extLst>
+          </p:cNvPr>
+          <p:cNvSpPr>
+            <a:spLocks noChangeAspect="1"/>
+          </p:cNvSpPr>
+          <p:nvPr/>
+        </p:nvSpPr>
+        <p:spPr>
+          <a:xfrm>
+            <a:off x="8764932" y="4283912"/>
+            <a:ext cx="646869" cy="646869"/>
+          </a:xfrm>
+          <a:prstGeom prst="ellipse">
+            <a:avLst/>
+          </a:prstGeom>
+          <a:solidFill>
+            <a:srgbClr val="002060"/>
+          </a:solidFill>
+          <a:ln>
+            <a:solidFill>
+              <a:schemeClr val="tx1"/>
+            </a:solidFill>
+          </a:ln>
+        </p:spPr>
+        <p:style>
+          <a:lnRef idx="2">
+            <a:schemeClr val="accent1">
+              <a:shade val="50000"/>
+            </a:schemeClr>
+          </a:lnRef>
+          <a:fillRef idx="1">
+            <a:schemeClr val="accent1"/>
+          </a:fillRef>
+          <a:effectRef idx="0">
+            <a:schemeClr val="accent1"/>
+          </a:effectRef>
+          <a:fontRef idx="minor">
+            <a:schemeClr val="lt1"/>
+          </a:fontRef>
+        </p:style>
+        <p:txBody>
+          <a:bodyPr rtlCol="0" anchor="ctr"/>
+          <a:lstStyle/>
+          <a:p>
+            <a:pPr algn="ctr"/>
+            <a:endParaRPr kumimoji="1" lang="ko-Kore-KR" altLang="en-US"/>
+          </a:p>
+        </p:txBody>
+      </p:sp>
+      <p:sp>
+        <p:nvSpPr>
+          <p:cNvPr id="82" name="TextBox 81">
+            <a:extLst>
+              <a:ext uri="{FF2B5EF4-FFF2-40B4-BE49-F238E27FC236}">
+                <a16:creationId xmlns:a16="http://schemas.microsoft.com/office/drawing/2014/main" id="{D70BEB47-5951-9840-9865-F9D847B307B3}"/>
+              </a:ext>
+            </a:extLst>
+          </p:cNvPr>
+          <p:cNvSpPr txBox="1"/>
+          <p:nvPr/>
+        </p:nvSpPr>
+        <p:spPr>
+          <a:xfrm>
+            <a:off x="9591814" y="4422680"/>
+            <a:ext cx="1209755" cy="369332"/>
+          </a:xfrm>
+          <a:prstGeom prst="rect">
+            <a:avLst/>
+          </a:prstGeom>
+          <a:noFill/>
+        </p:spPr>
+        <p:txBody>
+          <a:bodyPr wrap="none" rtlCol="0">
+            <a:spAutoFit/>
+          </a:bodyPr>
+          <a:lstStyle/>
+          <a:p>
+            <a:r>
+              <a:rPr kumimoji="1" lang="en-US" altLang="ko-Kore-KR" dirty="0" err="1"/>
+              <a:t>Location_Z</a:t>
             </a:r>
             <a:endParaRPr kumimoji="1" lang="ko-Kore-KR" altLang="en-US" dirty="0"/>
           </a:p>
@@ -6930,8 +7303,8 @@
           </a:p>
         </p:txBody>
       </p:sp>
-      <mc:AlternateContent xmlns:mc="http://schemas.openxmlformats.org/markup-compatibility/2006">
-        <mc:Choice xmlns:a14="http://schemas.microsoft.com/office/drawing/2010/main" Requires="a14">
+      <mc:AlternateContent xmlns:mc="http://schemas.openxmlformats.org/markup-compatibility/2006" xmlns:a14="http://schemas.microsoft.com/office/drawing/2010/main">
+        <mc:Choice Requires="a14">
           <p:sp>
             <p:nvSpPr>
               <p:cNvPr id="22" name="TextBox 21">
@@ -6999,7 +7372,7 @@
             </p:txBody>
           </p:sp>
         </mc:Choice>
-        <mc:Fallback>
+        <mc:Fallback xmlns="">
           <p:sp>
             <p:nvSpPr>
               <p:cNvPr id="22" name="TextBox 21">
@@ -7044,8 +7417,8 @@
           </p:sp>
         </mc:Fallback>
       </mc:AlternateContent>
-      <mc:AlternateContent xmlns:mc="http://schemas.openxmlformats.org/markup-compatibility/2006">
-        <mc:Choice xmlns:a14="http://schemas.microsoft.com/office/drawing/2010/main" Requires="a14">
+      <mc:AlternateContent xmlns:mc="http://schemas.openxmlformats.org/markup-compatibility/2006" xmlns:a14="http://schemas.microsoft.com/office/drawing/2010/main">
+        <mc:Choice Requires="a14">
           <p:sp>
             <p:nvSpPr>
               <p:cNvPr id="23" name="TextBox 22">
@@ -7114,7 +7487,7 @@
             </p:txBody>
           </p:sp>
         </mc:Choice>
-        <mc:Fallback>
+        <mc:Fallback xmlns="">
           <p:sp>
             <p:nvSpPr>
               <p:cNvPr id="23" name="TextBox 22">
@@ -7159,8 +7532,8 @@
           </p:sp>
         </mc:Fallback>
       </mc:AlternateContent>
-      <mc:AlternateContent xmlns:mc="http://schemas.openxmlformats.org/markup-compatibility/2006">
-        <mc:Choice xmlns:a14="http://schemas.microsoft.com/office/drawing/2010/main" Requires="a14">
+      <mc:AlternateContent xmlns:mc="http://schemas.openxmlformats.org/markup-compatibility/2006" xmlns:a14="http://schemas.microsoft.com/office/drawing/2010/main">
+        <mc:Choice Requires="a14">
           <p:sp>
             <p:nvSpPr>
               <p:cNvPr id="24" name="TextBox 23">
@@ -7229,7 +7602,7 @@
             </p:txBody>
           </p:sp>
         </mc:Choice>
-        <mc:Fallback>
+        <mc:Fallback xmlns="">
           <p:sp>
             <p:nvSpPr>
               <p:cNvPr id="24" name="TextBox 23">
@@ -7430,8 +7803,8 @@
           <a:chExt cx="0" cy="0"/>
         </a:xfrm>
       </p:grpSpPr>
-      <mc:AlternateContent xmlns:mc="http://schemas.openxmlformats.org/markup-compatibility/2006">
-        <mc:Choice xmlns:a14="http://schemas.microsoft.com/office/drawing/2010/main" Requires="a14">
+      <mc:AlternateContent xmlns:mc="http://schemas.openxmlformats.org/markup-compatibility/2006" xmlns:a14="http://schemas.microsoft.com/office/drawing/2010/main">
+        <mc:Choice Requires="a14">
           <p:sp>
             <p:nvSpPr>
               <p:cNvPr id="5" name="TextBox 4">
@@ -7460,6 +7833,7 @@
               </a:bodyPr>
               <a:lstStyle/>
               <a:p>
+                <a:pPr/>
                 <a14:m>
                   <m:oMathPara xmlns:m="http://schemas.openxmlformats.org/officeDocument/2006/math">
                     <m:oMathParaPr>
@@ -7818,7 +8192,7 @@
             </p:txBody>
           </p:sp>
         </mc:Choice>
-        <mc:Fallback>
+        <mc:Fallback xmlns="">
           <p:sp>
             <p:nvSpPr>
               <p:cNvPr id="5" name="TextBox 4">
@@ -7863,8 +8237,8 @@
           </p:sp>
         </mc:Fallback>
       </mc:AlternateContent>
-      <mc:AlternateContent xmlns:mc="http://schemas.openxmlformats.org/markup-compatibility/2006">
-        <mc:Choice xmlns:a14="http://schemas.microsoft.com/office/drawing/2010/main" Requires="a14">
+      <mc:AlternateContent xmlns:mc="http://schemas.openxmlformats.org/markup-compatibility/2006" xmlns:a14="http://schemas.microsoft.com/office/drawing/2010/main">
+        <mc:Choice Requires="a14">
           <p:sp>
             <p:nvSpPr>
               <p:cNvPr id="6" name="TextBox 5">
@@ -7893,6 +8267,7 @@
               </a:bodyPr>
               <a:lstStyle/>
               <a:p>
+                <a:pPr/>
                 <a14:m>
                   <m:oMathPara xmlns:m="http://schemas.openxmlformats.org/officeDocument/2006/math">
                     <m:oMathParaPr>
@@ -8264,7 +8639,7 @@
             </p:txBody>
           </p:sp>
         </mc:Choice>
-        <mc:Fallback>
+        <mc:Fallback xmlns="">
           <p:sp>
             <p:nvSpPr>
               <p:cNvPr id="6" name="TextBox 5">

--- a/IEIE_paper/프레젠테이션1.pptx
+++ b/IEIE_paper/프레젠테이션1.pptx
@@ -264,7 +264,7 @@
           <a:p>
             <a:fld id="{101CBA10-8D58-024C-BBF8-5636B309CAF1}" type="datetimeFigureOut">
               <a:rPr kumimoji="1" lang="ko-Kore-KR" altLang="en-US" smtClean="0"/>
-              <a:t>2021. 10. 21.</a:t>
+              <a:t>2021. 10. 25.</a:t>
             </a:fld>
             <a:endParaRPr kumimoji="1" lang="ko-Kore-KR" altLang="en-US"/>
           </a:p>
@@ -464,7 +464,7 @@
           <a:p>
             <a:fld id="{101CBA10-8D58-024C-BBF8-5636B309CAF1}" type="datetimeFigureOut">
               <a:rPr kumimoji="1" lang="ko-Kore-KR" altLang="en-US" smtClean="0"/>
-              <a:t>2021. 10. 21.</a:t>
+              <a:t>2021. 10. 25.</a:t>
             </a:fld>
             <a:endParaRPr kumimoji="1" lang="ko-Kore-KR" altLang="en-US"/>
           </a:p>
@@ -674,7 +674,7 @@
           <a:p>
             <a:fld id="{101CBA10-8D58-024C-BBF8-5636B309CAF1}" type="datetimeFigureOut">
               <a:rPr kumimoji="1" lang="ko-Kore-KR" altLang="en-US" smtClean="0"/>
-              <a:t>2021. 10. 21.</a:t>
+              <a:t>2021. 10. 25.</a:t>
             </a:fld>
             <a:endParaRPr kumimoji="1" lang="ko-Kore-KR" altLang="en-US"/>
           </a:p>
@@ -874,7 +874,7 @@
           <a:p>
             <a:fld id="{101CBA10-8D58-024C-BBF8-5636B309CAF1}" type="datetimeFigureOut">
               <a:rPr kumimoji="1" lang="ko-Kore-KR" altLang="en-US" smtClean="0"/>
-              <a:t>2021. 10. 21.</a:t>
+              <a:t>2021. 10. 25.</a:t>
             </a:fld>
             <a:endParaRPr kumimoji="1" lang="ko-Kore-KR" altLang="en-US"/>
           </a:p>
@@ -1150,7 +1150,7 @@
           <a:p>
             <a:fld id="{101CBA10-8D58-024C-BBF8-5636B309CAF1}" type="datetimeFigureOut">
               <a:rPr kumimoji="1" lang="ko-Kore-KR" altLang="en-US" smtClean="0"/>
-              <a:t>2021. 10. 21.</a:t>
+              <a:t>2021. 10. 25.</a:t>
             </a:fld>
             <a:endParaRPr kumimoji="1" lang="ko-Kore-KR" altLang="en-US"/>
           </a:p>
@@ -1418,7 +1418,7 @@
           <a:p>
             <a:fld id="{101CBA10-8D58-024C-BBF8-5636B309CAF1}" type="datetimeFigureOut">
               <a:rPr kumimoji="1" lang="ko-Kore-KR" altLang="en-US" smtClean="0"/>
-              <a:t>2021. 10. 21.</a:t>
+              <a:t>2021. 10. 25.</a:t>
             </a:fld>
             <a:endParaRPr kumimoji="1" lang="ko-Kore-KR" altLang="en-US"/>
           </a:p>
@@ -1833,7 +1833,7 @@
           <a:p>
             <a:fld id="{101CBA10-8D58-024C-BBF8-5636B309CAF1}" type="datetimeFigureOut">
               <a:rPr kumimoji="1" lang="ko-Kore-KR" altLang="en-US" smtClean="0"/>
-              <a:t>2021. 10. 21.</a:t>
+              <a:t>2021. 10. 25.</a:t>
             </a:fld>
             <a:endParaRPr kumimoji="1" lang="ko-Kore-KR" altLang="en-US"/>
           </a:p>
@@ -1975,7 +1975,7 @@
           <a:p>
             <a:fld id="{101CBA10-8D58-024C-BBF8-5636B309CAF1}" type="datetimeFigureOut">
               <a:rPr kumimoji="1" lang="ko-Kore-KR" altLang="en-US" smtClean="0"/>
-              <a:t>2021. 10. 21.</a:t>
+              <a:t>2021. 10. 25.</a:t>
             </a:fld>
             <a:endParaRPr kumimoji="1" lang="ko-Kore-KR" altLang="en-US"/>
           </a:p>
@@ -2088,7 +2088,7 @@
           <a:p>
             <a:fld id="{101CBA10-8D58-024C-BBF8-5636B309CAF1}" type="datetimeFigureOut">
               <a:rPr kumimoji="1" lang="ko-Kore-KR" altLang="en-US" smtClean="0"/>
-              <a:t>2021. 10. 21.</a:t>
+              <a:t>2021. 10. 25.</a:t>
             </a:fld>
             <a:endParaRPr kumimoji="1" lang="ko-Kore-KR" altLang="en-US"/>
           </a:p>
@@ -2401,7 +2401,7 @@
           <a:p>
             <a:fld id="{101CBA10-8D58-024C-BBF8-5636B309CAF1}" type="datetimeFigureOut">
               <a:rPr kumimoji="1" lang="ko-Kore-KR" altLang="en-US" smtClean="0"/>
-              <a:t>2021. 10. 21.</a:t>
+              <a:t>2021. 10. 25.</a:t>
             </a:fld>
             <a:endParaRPr kumimoji="1" lang="ko-Kore-KR" altLang="en-US"/>
           </a:p>
@@ -2690,7 +2690,7 @@
           <a:p>
             <a:fld id="{101CBA10-8D58-024C-BBF8-5636B309CAF1}" type="datetimeFigureOut">
               <a:rPr kumimoji="1" lang="ko-Kore-KR" altLang="en-US" smtClean="0"/>
-              <a:t>2021. 10. 21.</a:t>
+              <a:t>2021. 10. 25.</a:t>
             </a:fld>
             <a:endParaRPr kumimoji="1" lang="ko-Kore-KR" altLang="en-US"/>
           </a:p>
@@ -2933,7 +2933,7 @@
           <a:p>
             <a:fld id="{101CBA10-8D58-024C-BBF8-5636B309CAF1}" type="datetimeFigureOut">
               <a:rPr kumimoji="1" lang="ko-Kore-KR" altLang="en-US" smtClean="0"/>
-              <a:t>2021. 10. 21.</a:t>
+              <a:t>2021. 10. 25.</a:t>
             </a:fld>
             <a:endParaRPr kumimoji="1" lang="ko-Kore-KR" altLang="en-US"/>
           </a:p>
@@ -5820,7 +5820,7 @@
             <a:pPr algn="ctr"/>
             <a:r>
               <a:rPr kumimoji="1" lang="en-US" altLang="ko-Kore-KR" sz="1400" dirty="0"/>
-              <a:t>(512 node)</a:t>
+              <a:t>(1024 node)</a:t>
             </a:r>
             <a:endParaRPr kumimoji="1" lang="ko-Kore-KR" altLang="en-US" sz="1400" dirty="0"/>
           </a:p>
@@ -5863,7 +5863,7 @@
             <a:pPr algn="ctr"/>
             <a:r>
               <a:rPr kumimoji="1" lang="en-US" altLang="ko-Kore-KR" sz="1400" dirty="0"/>
-              <a:t>(512 node)</a:t>
+              <a:t>(1024 node)</a:t>
             </a:r>
             <a:endParaRPr kumimoji="1" lang="ko-Kore-KR" altLang="en-US" sz="1400" dirty="0"/>
           </a:p>
